--- a/project_1/DataSciBootcamp_Proj1_Team6.pptx
+++ b/project_1/DataSciBootcamp_Proj1_Team6.pptx
@@ -5,21 +5,22 @@
     <p:sldMasterId id="2147483648" r:id="rId1"/>
   </p:sldMasterIdLst>
   <p:notesMasterIdLst>
-    <p:notesMasterId r:id="rId9"/>
+    <p:notesMasterId r:id="rId10"/>
   </p:notesMasterIdLst>
   <p:sldIdLst>
-    <p:sldId id="279" r:id="rId2"/>
-    <p:sldId id="285" r:id="rId3"/>
+    <p:sldId id="285" r:id="rId2"/>
+    <p:sldId id="287" r:id="rId3"/>
     <p:sldId id="280" r:id="rId4"/>
     <p:sldId id="282" r:id="rId5"/>
     <p:sldId id="283" r:id="rId6"/>
-    <p:sldId id="281" r:id="rId7"/>
+    <p:sldId id="286" r:id="rId7"/>
     <p:sldId id="284" r:id="rId8"/>
+    <p:sldId id="281" r:id="rId9"/>
   </p:sldIdLst>
   <p:sldSz cx="9144000" cy="6858000" type="screen4x3"/>
   <p:notesSz cx="6858000" cy="9144000"/>
   <p:custDataLst>
-    <p:tags r:id="rId10"/>
+    <p:tags r:id="rId11"/>
   </p:custDataLst>
   <p:defaultTextStyle>
     <a:defPPr>
@@ -148,7 +149,7 @@
   </p:defaultTextStyle>
   <p:extLst>
     <p:ext uri="{EFAFB233-063F-42B5-8137-9DF3F51BA10A}">
-      <p15:sldGuideLst xmlns="" xmlns:p15="http://schemas.microsoft.com/office/powerpoint/2012/main">
+      <p15:sldGuideLst xmlns:p15="http://schemas.microsoft.com/office/powerpoint/2012/main" xmlns="">
         <p15:guide id="1" orient="horz" pos="113">
           <p15:clr>
             <a:srgbClr val="A4A3A4"/>
@@ -682,97 +683,6 @@
               <a:rPr lang="en-US" smtClean="0"/>
               <a:pPr/>
               <a:t>1</a:t>
-            </a:fld>
-            <a:endParaRPr lang="en-US" dirty="0" smtClean="0"/>
-          </a:p>
-        </p:txBody>
-      </p:sp>
-      <p:sp>
-        <p:nvSpPr>
-          <p:cNvPr id="16386" name="Rectangle 2"/>
-          <p:cNvSpPr>
-            <a:spLocks noGrp="1" noRot="1" noChangeAspect="1" noChangeArrowheads="1" noTextEdit="1"/>
-          </p:cNvSpPr>
-          <p:nvPr>
-            <p:ph type="sldImg"/>
-          </p:nvPr>
-        </p:nvSpPr>
-        <p:spPr>
-          <a:ln/>
-        </p:spPr>
-      </p:sp>
-      <p:sp>
-        <p:nvSpPr>
-          <p:cNvPr id="16387" name="Rectangle 3"/>
-          <p:cNvSpPr>
-            <a:spLocks noGrp="1" noChangeArrowheads="1"/>
-          </p:cNvSpPr>
-          <p:nvPr>
-            <p:ph type="body" idx="1"/>
-          </p:nvPr>
-        </p:nvSpPr>
-        <p:spPr>
-          <a:noFill/>
-          <a:ln/>
-        </p:spPr>
-        <p:txBody>
-          <a:bodyPr/>
-          <a:lstStyle/>
-          <a:p>
-            <a:pPr eaLnBrk="1" hangingPunct="1"/>
-            <a:r>
-              <a:rPr lang="en-US" dirty="0" smtClean="0"/>
-              <a:t>Template version: 11/20/2012, for PowerPoint 2007 &amp; 2010</a:t>
-            </a:r>
-          </a:p>
-        </p:txBody>
-      </p:sp>
-    </p:spTree>
-  </p:cSld>
-  <p:clrMapOvr>
-    <a:masterClrMapping/>
-  </p:clrMapOvr>
-</p:notes>
-</file>
-
-<file path=ppt/notesSlides/notesSlide2.xml><?xml version="1.0" encoding="utf-8"?>
-<p:notes xmlns:a="http://schemas.openxmlformats.org/drawingml/2006/main" xmlns:r="http://schemas.openxmlformats.org/officeDocument/2006/relationships" xmlns:p="http://schemas.openxmlformats.org/presentationml/2006/main">
-  <p:cSld>
-    <p:spTree>
-      <p:nvGrpSpPr>
-        <p:cNvPr id="1" name=""/>
-        <p:cNvGrpSpPr/>
-        <p:nvPr/>
-      </p:nvGrpSpPr>
-      <p:grpSpPr>
-        <a:xfrm>
-          <a:off x="0" y="0"/>
-          <a:ext cx="0" cy="0"/>
-          <a:chOff x="0" y="0"/>
-          <a:chExt cx="0" cy="0"/>
-        </a:xfrm>
-      </p:grpSpPr>
-      <p:sp>
-        <p:nvSpPr>
-          <p:cNvPr id="16385" name="Rectangle 7"/>
-          <p:cNvSpPr>
-            <a:spLocks noGrp="1" noChangeArrowheads="1"/>
-          </p:cNvSpPr>
-          <p:nvPr>
-            <p:ph type="sldNum" sz="quarter" idx="5"/>
-          </p:nvPr>
-        </p:nvSpPr>
-        <p:spPr>
-          <a:noFill/>
-        </p:spPr>
-        <p:txBody>
-          <a:bodyPr/>
-          <a:lstStyle/>
-          <a:p>
-            <a:fld id="{B862A336-1E4E-4DB1-BC8D-43142412FA7F}" type="slidenum">
-              <a:rPr lang="en-US" smtClean="0"/>
-              <a:pPr/>
-              <a:t>2</a:t>
             </a:fld>
             <a:endParaRPr lang="en-US" dirty="0" smtClean="0"/>
           </a:p>
@@ -2133,154 +2043,6 @@
               <a:rPr lang="en-US" sz="3600" dirty="0" smtClean="0"/>
               <a:t>Prediction of user ratings</a:t>
             </a:r>
-            <a:endParaRPr lang="en-US" sz="3600" dirty="0" smtClean="0"/>
-          </a:p>
-        </p:txBody>
-      </p:sp>
-      <p:sp>
-        <p:nvSpPr>
-          <p:cNvPr id="3" name="AutoShape 2" descr="Image result for facebook like button"/>
-          <p:cNvSpPr>
-            <a:spLocks noChangeAspect="1" noChangeArrowheads="1"/>
-          </p:cNvSpPr>
-          <p:nvPr/>
-        </p:nvSpPr>
-        <p:spPr bwMode="auto">
-          <a:xfrm>
-            <a:off x="155575" y="-144463"/>
-            <a:ext cx="304800" cy="304801"/>
-          </a:xfrm>
-          <a:prstGeom prst="rect">
-            <a:avLst/>
-          </a:prstGeom>
-          <a:noFill/>
-          <a:extLst>
-            <a:ext uri="{909E8E84-426E-40DD-AFC4-6F175D3DCCD1}">
-              <a14:hiddenFill xmlns:a14="http://schemas.microsoft.com/office/drawing/2010/main">
-                <a:solidFill>
-                  <a:srgbClr val="FFFFFF"/>
-                </a:solidFill>
-              </a14:hiddenFill>
-            </a:ext>
-          </a:extLst>
-        </p:spPr>
-        <p:txBody>
-          <a:bodyPr vert="horz" wrap="square" lIns="91440" tIns="45720" rIns="91440" bIns="45720" numCol="1" anchor="t" anchorCtr="0" compatLnSpc="1">
-            <a:prstTxWarp prst="textNoShape">
-              <a:avLst/>
-            </a:prstTxWarp>
-          </a:bodyPr>
-          <a:lstStyle/>
-          <a:p>
-            <a:endParaRPr lang="en-US"/>
-          </a:p>
-        </p:txBody>
-      </p:sp>
-      <p:pic>
-        <p:nvPicPr>
-          <p:cNvPr id="1028" name="Picture 4" descr="http://www.artsandcreativities.com/wp-content/uploads/Add-Facebook-Like-Button-in-Magento.jpg"/>
-          <p:cNvPicPr>
-            <a:picLocks noChangeAspect="1" noChangeArrowheads="1"/>
-          </p:cNvPicPr>
-          <p:nvPr/>
-        </p:nvPicPr>
-        <p:blipFill>
-          <a:blip r:embed="rId3" cstate="print">
-            <a:extLst>
-              <a:ext uri="{28A0092B-C50C-407E-A947-70E740481C1C}">
-                <a14:useLocalDpi xmlns:a14="http://schemas.microsoft.com/office/drawing/2010/main" val="0"/>
-              </a:ext>
-            </a:extLst>
-          </a:blip>
-          <a:srcRect/>
-          <a:stretch>
-            <a:fillRect/>
-          </a:stretch>
-        </p:blipFill>
-        <p:spPr bwMode="auto">
-          <a:xfrm>
-            <a:off x="363467" y="2484929"/>
-            <a:ext cx="990600" cy="990600"/>
-          </a:xfrm>
-          <a:prstGeom prst="rect">
-            <a:avLst/>
-          </a:prstGeom>
-          <a:noFill/>
-          <a:extLst>
-            <a:ext uri="{909E8E84-426E-40DD-AFC4-6F175D3DCCD1}">
-              <a14:hiddenFill xmlns:a14="http://schemas.microsoft.com/office/drawing/2010/main">
-                <a:solidFill>
-                  <a:srgbClr val="FFFFFF"/>
-                </a:solidFill>
-              </a14:hiddenFill>
-            </a:ext>
-          </a:extLst>
-        </p:spPr>
-      </p:pic>
-    </p:spTree>
-  </p:cSld>
-  <p:clrMapOvr>
-    <a:masterClrMapping/>
-  </p:clrMapOvr>
-  <p:timing>
-    <p:tnLst>
-      <p:par>
-        <p:cTn id="1" dur="indefinite" restart="never" nodeType="tmRoot"/>
-      </p:par>
-    </p:tnLst>
-  </p:timing>
-</p:sld>
-</file>
-
-<file path=ppt/slides/slide2.xml><?xml version="1.0" encoding="utf-8"?>
-<p:sld xmlns:a="http://schemas.openxmlformats.org/drawingml/2006/main" xmlns:r="http://schemas.openxmlformats.org/officeDocument/2006/relationships" xmlns:p="http://schemas.openxmlformats.org/presentationml/2006/main">
-  <p:cSld>
-    <p:spTree>
-      <p:nvGrpSpPr>
-        <p:cNvPr id="1" name=""/>
-        <p:cNvGrpSpPr/>
-        <p:nvPr/>
-      </p:nvGrpSpPr>
-      <p:grpSpPr>
-        <a:xfrm>
-          <a:off x="0" y="0"/>
-          <a:ext cx="0" cy="0"/>
-          <a:chOff x="0" y="0"/>
-          <a:chExt cx="0" cy="0"/>
-        </a:xfrm>
-      </p:grpSpPr>
-      <p:sp>
-        <p:nvSpPr>
-          <p:cNvPr id="15361" name="Rectangle 3"/>
-          <p:cNvSpPr>
-            <a:spLocks noGrp="1" noChangeArrowheads="1"/>
-          </p:cNvSpPr>
-          <p:nvPr>
-            <p:ph type="ctrTitle"/>
-          </p:nvPr>
-        </p:nvSpPr>
-        <p:spPr/>
-        <p:txBody>
-          <a:bodyPr/>
-          <a:lstStyle/>
-          <a:p>
-            <a:pPr eaLnBrk="1" hangingPunct="1"/>
-            <a:r>
-              <a:rPr lang="en-US" sz="3600" dirty="0"/>
-              <a:t>T</a:t>
-            </a:r>
-            <a:r>
-              <a:rPr lang="en-US" sz="3600" dirty="0" smtClean="0"/>
-              <a:t>he Movies: </a:t>
-            </a:r>
-            <a:br>
-              <a:rPr lang="en-US" sz="3600" dirty="0" smtClean="0"/>
-            </a:br>
-            <a:r>
-              <a:rPr lang="en-US" sz="3600" dirty="0" smtClean="0"/>
-              <a:t>Prediction of user ratings</a:t>
-            </a:r>
-            <a:endParaRPr lang="en-US" sz="3600" dirty="0" smtClean="0"/>
           </a:p>
         </p:txBody>
       </p:sp>
@@ -2384,6 +2146,107 @@
 </p:sld>
 </file>
 
+<file path=ppt/slides/slide2.xml><?xml version="1.0" encoding="utf-8"?>
+<p:sld xmlns:a="http://schemas.openxmlformats.org/drawingml/2006/main" xmlns:r="http://schemas.openxmlformats.org/officeDocument/2006/relationships" xmlns:p="http://schemas.openxmlformats.org/presentationml/2006/main">
+  <p:cSld>
+    <p:spTree>
+      <p:nvGrpSpPr>
+        <p:cNvPr id="1" name=""/>
+        <p:cNvGrpSpPr/>
+        <p:nvPr/>
+      </p:nvGrpSpPr>
+      <p:grpSpPr>
+        <a:xfrm>
+          <a:off x="0" y="0"/>
+          <a:ext cx="0" cy="0"/>
+          <a:chOff x="0" y="0"/>
+          <a:chExt cx="0" cy="0"/>
+        </a:xfrm>
+      </p:grpSpPr>
+      <p:sp>
+        <p:nvSpPr>
+          <p:cNvPr id="2" name="Title 1"/>
+          <p:cNvSpPr>
+            <a:spLocks noGrp="1"/>
+          </p:cNvSpPr>
+          <p:nvPr>
+            <p:ph type="title"/>
+          </p:nvPr>
+        </p:nvSpPr>
+        <p:spPr/>
+        <p:txBody>
+          <a:bodyPr/>
+          <a:lstStyle/>
+          <a:p>
+            <a:r>
+              <a:rPr lang="en-US" dirty="0" smtClean="0"/>
+              <a:t>Many of our producers desperately deserve recognition.  We can help them; with Data!</a:t>
+            </a:r>
+            <a:endParaRPr lang="en-US" dirty="0"/>
+          </a:p>
+        </p:txBody>
+      </p:sp>
+      <p:pic>
+        <p:nvPicPr>
+          <p:cNvPr id="2052" name="Picture 4" descr="https://img.buzzfeed.com/buzzfeed-static/static/2016-01/18/20/enhanced/webdr09/enhanced-buzz-16572-1453166166-7.jpg"/>
+          <p:cNvPicPr>
+            <a:picLocks noChangeAspect="1" noChangeArrowheads="1"/>
+          </p:cNvPicPr>
+          <p:nvPr/>
+        </p:nvPicPr>
+        <p:blipFill>
+          <a:blip r:embed="rId2">
+            <a:extLst>
+              <a:ext uri="{28A0092B-C50C-407E-A947-70E740481C1C}">
+                <a14:useLocalDpi xmlns:a14="http://schemas.microsoft.com/office/drawing/2010/main" val="0"/>
+              </a:ext>
+            </a:extLst>
+          </a:blip>
+          <a:srcRect/>
+          <a:stretch>
+            <a:fillRect/>
+          </a:stretch>
+        </p:blipFill>
+        <p:spPr bwMode="auto">
+          <a:xfrm>
+            <a:off x="2209799" y="1066800"/>
+            <a:ext cx="3994355" cy="4953000"/>
+          </a:xfrm>
+          <a:prstGeom prst="rect">
+            <a:avLst/>
+          </a:prstGeom>
+          <a:noFill/>
+          <a:extLst>
+            <a:ext uri="{909E8E84-426E-40DD-AFC4-6F175D3DCCD1}">
+              <a14:hiddenFill xmlns:a14="http://schemas.microsoft.com/office/drawing/2010/main">
+                <a:solidFill>
+                  <a:srgbClr val="FFFFFF"/>
+                </a:solidFill>
+              </a14:hiddenFill>
+            </a:ext>
+          </a:extLst>
+        </p:spPr>
+      </p:pic>
+    </p:spTree>
+    <p:extLst>
+      <p:ext uri="{BB962C8B-B14F-4D97-AF65-F5344CB8AC3E}">
+        <p14:creationId xmlns:p14="http://schemas.microsoft.com/office/powerpoint/2010/main" val="3819078574"/>
+      </p:ext>
+    </p:extLst>
+  </p:cSld>
+  <p:clrMapOvr>
+    <a:masterClrMapping/>
+  </p:clrMapOvr>
+  <p:timing>
+    <p:tnLst>
+      <p:par>
+        <p:cTn id="1" dur="indefinite" restart="never" nodeType="tmRoot"/>
+      </p:par>
+    </p:tnLst>
+  </p:timing>
+</p:sld>
+</file>
+
 <file path=ppt/slides/slide3.xml><?xml version="1.0" encoding="utf-8"?>
 <p:sld xmlns:a="http://schemas.openxmlformats.org/drawingml/2006/main" xmlns:r="http://schemas.openxmlformats.org/officeDocument/2006/relationships" xmlns:p="http://schemas.openxmlformats.org/presentationml/2006/main">
   <p:cSld>
@@ -2673,6 +2536,67 @@
           </a:extLst>
         </p:spPr>
       </p:pic>
+      <p:sp>
+        <p:nvSpPr>
+          <p:cNvPr id="3" name="TextBox 2"/>
+          <p:cNvSpPr txBox="1"/>
+          <p:nvPr/>
+        </p:nvSpPr>
+        <p:spPr>
+          <a:xfrm>
+            <a:off x="3505200" y="5791200"/>
+            <a:ext cx="2209800" cy="338554"/>
+          </a:xfrm>
+          <a:prstGeom prst="rect">
+            <a:avLst/>
+          </a:prstGeom>
+          <a:noFill/>
+        </p:spPr>
+        <p:txBody>
+          <a:bodyPr wrap="square" rtlCol="0">
+            <a:spAutoFit/>
+          </a:bodyPr>
+          <a:lstStyle/>
+          <a:p>
+            <a:r>
+              <a:rPr lang="en-US" dirty="0" smtClean="0"/>
+              <a:t>User Score</a:t>
+            </a:r>
+            <a:endParaRPr lang="en-US" dirty="0"/>
+          </a:p>
+        </p:txBody>
+      </p:sp>
+      <p:sp>
+        <p:nvSpPr>
+          <p:cNvPr id="4" name="TextBox 3"/>
+          <p:cNvSpPr txBox="1"/>
+          <p:nvPr/>
+        </p:nvSpPr>
+        <p:spPr>
+          <a:xfrm rot="16200000">
+            <a:off x="-402223" y="3297823"/>
+            <a:ext cx="2971800" cy="338554"/>
+          </a:xfrm>
+          <a:prstGeom prst="rect">
+            <a:avLst/>
+          </a:prstGeom>
+          <a:noFill/>
+        </p:spPr>
+        <p:txBody>
+          <a:bodyPr wrap="square" rtlCol="0">
+            <a:spAutoFit/>
+          </a:bodyPr>
+          <a:lstStyle/>
+          <a:p>
+            <a:pPr algn="ctr"/>
+            <a:r>
+              <a:rPr lang="en-US" dirty="0" smtClean="0"/>
+              <a:t>Frequency</a:t>
+            </a:r>
+            <a:endParaRPr lang="en-US" dirty="0"/>
+          </a:p>
+        </p:txBody>
+      </p:sp>
     </p:spTree>
     <p:extLst>
       <p:ext uri="{BB962C8B-B14F-4D97-AF65-F5344CB8AC3E}">
@@ -2832,6 +2756,235 @@
           <a:p>
             <a:r>
               <a:rPr lang="en-US" dirty="0" smtClean="0"/>
+              <a:t>By looking at the pairwise correlation we were able to see which variables may be significant</a:t>
+            </a:r>
+            <a:endParaRPr lang="en-US" dirty="0"/>
+          </a:p>
+        </p:txBody>
+      </p:sp>
+      <p:pic>
+        <p:nvPicPr>
+          <p:cNvPr id="1025" name="Picture 1"/>
+          <p:cNvPicPr>
+            <a:picLocks noChangeAspect="1" noChangeArrowheads="1"/>
+          </p:cNvPicPr>
+          <p:nvPr/>
+        </p:nvPicPr>
+        <p:blipFill>
+          <a:blip r:embed="rId2">
+            <a:extLst>
+              <a:ext uri="{28A0092B-C50C-407E-A947-70E740481C1C}">
+                <a14:useLocalDpi xmlns:a14="http://schemas.microsoft.com/office/drawing/2010/main" val="0"/>
+              </a:ext>
+            </a:extLst>
+          </a:blip>
+          <a:srcRect/>
+          <a:stretch>
+            <a:fillRect/>
+          </a:stretch>
+        </p:blipFill>
+        <p:spPr bwMode="auto">
+          <a:xfrm>
+            <a:off x="152400" y="2362200"/>
+            <a:ext cx="8867342" cy="2209800"/>
+          </a:xfrm>
+          <a:prstGeom prst="rect">
+            <a:avLst/>
+          </a:prstGeom>
+          <a:noFill/>
+          <a:ln>
+            <a:noFill/>
+          </a:ln>
+          <a:effectLst/>
+          <a:extLst>
+            <a:ext uri="{909E8E84-426E-40DD-AFC4-6F175D3DCCD1}">
+              <a14:hiddenFill xmlns:a14="http://schemas.microsoft.com/office/drawing/2010/main">
+                <a:solidFill>
+                  <a:schemeClr val="accent1"/>
+                </a:solidFill>
+              </a14:hiddenFill>
+            </a:ext>
+            <a:ext uri="{91240B29-F687-4F45-9708-019B960494DF}">
+              <a14:hiddenLine xmlns:a14="http://schemas.microsoft.com/office/drawing/2010/main" w="9525">
+                <a:solidFill>
+                  <a:schemeClr val="tx1"/>
+                </a:solidFill>
+                <a:miter lim="800000"/>
+                <a:headEnd/>
+                <a:tailEnd/>
+              </a14:hiddenLine>
+            </a:ext>
+            <a:ext uri="{AF507438-7753-43E0-B8FC-AC1667EBCBE1}">
+              <a14:hiddenEffects xmlns:a14="http://schemas.microsoft.com/office/drawing/2010/main">
+                <a:effectLst>
+                  <a:outerShdw dist="35921" dir="2700000" algn="ctr" rotWithShape="0">
+                    <a:schemeClr val="bg2"/>
+                  </a:outerShdw>
+                </a:effectLst>
+              </a14:hiddenEffects>
+            </a:ext>
+          </a:extLst>
+        </p:spPr>
+      </p:pic>
+    </p:spTree>
+    <p:extLst>
+      <p:ext uri="{BB962C8B-B14F-4D97-AF65-F5344CB8AC3E}">
+        <p14:creationId xmlns:p14="http://schemas.microsoft.com/office/powerpoint/2010/main" val="593082125"/>
+      </p:ext>
+    </p:extLst>
+  </p:cSld>
+  <p:clrMapOvr>
+    <a:masterClrMapping/>
+  </p:clrMapOvr>
+  <p:timing>
+    <p:tnLst>
+      <p:par>
+        <p:cTn id="1" dur="indefinite" restart="never" nodeType="tmRoot"/>
+      </p:par>
+    </p:tnLst>
+  </p:timing>
+</p:sld>
+</file>
+
+<file path=ppt/slides/slide7.xml><?xml version="1.0" encoding="utf-8"?>
+<p:sld xmlns:a="http://schemas.openxmlformats.org/drawingml/2006/main" xmlns:r="http://schemas.openxmlformats.org/officeDocument/2006/relationships" xmlns:p="http://schemas.openxmlformats.org/presentationml/2006/main">
+  <p:cSld>
+    <p:spTree>
+      <p:nvGrpSpPr>
+        <p:cNvPr id="1" name=""/>
+        <p:cNvGrpSpPr/>
+        <p:nvPr/>
+      </p:nvGrpSpPr>
+      <p:grpSpPr>
+        <a:xfrm>
+          <a:off x="0" y="0"/>
+          <a:ext cx="0" cy="0"/>
+          <a:chOff x="0" y="0"/>
+          <a:chExt cx="0" cy="0"/>
+        </a:xfrm>
+      </p:grpSpPr>
+      <p:sp>
+        <p:nvSpPr>
+          <p:cNvPr id="2" name="Title 1"/>
+          <p:cNvSpPr>
+            <a:spLocks noGrp="1"/>
+          </p:cNvSpPr>
+          <p:nvPr>
+            <p:ph type="title"/>
+          </p:nvPr>
+        </p:nvSpPr>
+        <p:spPr/>
+        <p:txBody>
+          <a:bodyPr/>
+          <a:lstStyle/>
+          <a:p>
+            <a:r>
+              <a:rPr lang="en-US" dirty="0" smtClean="0"/>
+              <a:t>While the most comprehensive model appeared to have the best predictive ability, plots show </a:t>
+            </a:r>
+            <a:r>
+              <a:rPr lang="en-US" dirty="0" smtClean="0"/>
+              <a:t>variability</a:t>
+            </a:r>
+            <a:endParaRPr lang="en-US" dirty="0"/>
+          </a:p>
+        </p:txBody>
+      </p:sp>
+      <p:pic>
+        <p:nvPicPr>
+          <p:cNvPr id="2050" name="Picture 2" descr="C:\Users\RPM592\AppData\Local\Microsoft\Windows\Temporary Internet Files\Content.Outlook\ZM0208I6\Results.png"/>
+          <p:cNvPicPr>
+            <a:picLocks noChangeAspect="1" noChangeArrowheads="1"/>
+          </p:cNvPicPr>
+          <p:nvPr/>
+        </p:nvPicPr>
+        <p:blipFill>
+          <a:blip r:embed="rId2">
+            <a:extLst>
+              <a:ext uri="{28A0092B-C50C-407E-A947-70E740481C1C}">
+                <a14:useLocalDpi xmlns:a14="http://schemas.microsoft.com/office/drawing/2010/main" val="0"/>
+              </a:ext>
+            </a:extLst>
+          </a:blip>
+          <a:srcRect/>
+          <a:stretch>
+            <a:fillRect/>
+          </a:stretch>
+        </p:blipFill>
+        <p:spPr bwMode="auto">
+          <a:xfrm>
+            <a:off x="1295400" y="990599"/>
+            <a:ext cx="5486400" cy="5517223"/>
+          </a:xfrm>
+          <a:prstGeom prst="rect">
+            <a:avLst/>
+          </a:prstGeom>
+          <a:noFill/>
+          <a:extLst>
+            <a:ext uri="{909E8E84-426E-40DD-AFC4-6F175D3DCCD1}">
+              <a14:hiddenFill xmlns:a14="http://schemas.microsoft.com/office/drawing/2010/main">
+                <a:solidFill>
+                  <a:srgbClr val="FFFFFF"/>
+                </a:solidFill>
+              </a14:hiddenFill>
+            </a:ext>
+          </a:extLst>
+        </p:spPr>
+      </p:pic>
+    </p:spTree>
+    <p:extLst>
+      <p:ext uri="{BB962C8B-B14F-4D97-AF65-F5344CB8AC3E}">
+        <p14:creationId xmlns:p14="http://schemas.microsoft.com/office/powerpoint/2010/main" val="690450501"/>
+      </p:ext>
+    </p:extLst>
+  </p:cSld>
+  <p:clrMapOvr>
+    <a:masterClrMapping/>
+  </p:clrMapOvr>
+  <p:timing>
+    <p:tnLst>
+      <p:par>
+        <p:cTn id="1" dur="indefinite" restart="never" nodeType="tmRoot"/>
+      </p:par>
+    </p:tnLst>
+  </p:timing>
+</p:sld>
+</file>
+
+<file path=ppt/slides/slide8.xml><?xml version="1.0" encoding="utf-8"?>
+<p:sld xmlns:a="http://schemas.openxmlformats.org/drawingml/2006/main" xmlns:r="http://schemas.openxmlformats.org/officeDocument/2006/relationships" xmlns:p="http://schemas.openxmlformats.org/presentationml/2006/main">
+  <p:cSld>
+    <p:spTree>
+      <p:nvGrpSpPr>
+        <p:cNvPr id="1" name=""/>
+        <p:cNvGrpSpPr/>
+        <p:nvPr/>
+      </p:nvGrpSpPr>
+      <p:grpSpPr>
+        <a:xfrm>
+          <a:off x="0" y="0"/>
+          <a:ext cx="0" cy="0"/>
+          <a:chOff x="0" y="0"/>
+          <a:chExt cx="0" cy="0"/>
+        </a:xfrm>
+      </p:grpSpPr>
+      <p:sp>
+        <p:nvSpPr>
+          <p:cNvPr id="2" name="Title 1"/>
+          <p:cNvSpPr>
+            <a:spLocks noGrp="1"/>
+          </p:cNvSpPr>
+          <p:nvPr>
+            <p:ph type="title"/>
+          </p:nvPr>
+        </p:nvSpPr>
+        <p:spPr/>
+        <p:txBody>
+          <a:bodyPr/>
+          <a:lstStyle/>
+          <a:p>
+            <a:r>
+              <a:rPr lang="en-US" dirty="0" smtClean="0"/>
               <a:t>Results</a:t>
             </a:r>
             <a:endParaRPr lang="en-US" dirty="0"/>
@@ -3008,28 +3161,28 @@
                 <a:gridCol w="3362326">
                   <a:extLst>
                     <a:ext uri="{9D8B030D-6E8A-4147-A177-3AD203B41FA5}">
-                      <a16:colId xmlns="" xmlns:a16="http://schemas.microsoft.com/office/drawing/2014/main" val="689219413"/>
+                      <a16:colId xmlns:a16="http://schemas.microsoft.com/office/drawing/2014/main" xmlns="" val="689219413"/>
                     </a:ext>
                   </a:extLst>
                 </a:gridCol>
                 <a:gridCol w="839097">
                   <a:extLst>
                     <a:ext uri="{9D8B030D-6E8A-4147-A177-3AD203B41FA5}">
-                      <a16:colId xmlns="" xmlns:a16="http://schemas.microsoft.com/office/drawing/2014/main" val="1379182246"/>
+                      <a16:colId xmlns:a16="http://schemas.microsoft.com/office/drawing/2014/main" xmlns="" val="1379182246"/>
                     </a:ext>
                   </a:extLst>
                 </a:gridCol>
                 <a:gridCol w="1065903">
                   <a:extLst>
                     <a:ext uri="{9D8B030D-6E8A-4147-A177-3AD203B41FA5}">
-                      <a16:colId xmlns="" xmlns:a16="http://schemas.microsoft.com/office/drawing/2014/main" val="1013735528"/>
+                      <a16:colId xmlns:a16="http://schemas.microsoft.com/office/drawing/2014/main" xmlns="" val="1013735528"/>
                     </a:ext>
                   </a:extLst>
                 </a:gridCol>
                 <a:gridCol w="838200">
                   <a:extLst>
                     <a:ext uri="{9D8B030D-6E8A-4147-A177-3AD203B41FA5}">
-                      <a16:colId xmlns="" xmlns:a16="http://schemas.microsoft.com/office/drawing/2014/main" val="2074277308"/>
+                      <a16:colId xmlns:a16="http://schemas.microsoft.com/office/drawing/2014/main" xmlns="" val="2074277308"/>
                     </a:ext>
                   </a:extLst>
                 </a:gridCol>
@@ -3093,7 +3246,7 @@
                 </a:tc>
                 <a:extLst>
                   <a:ext uri="{0D108BD9-81ED-4DB2-BD59-A6C34878D82A}">
-                    <a16:rowId xmlns="" xmlns:a16="http://schemas.microsoft.com/office/drawing/2014/main" val="1818530893"/>
+                    <a16:rowId xmlns:a16="http://schemas.microsoft.com/office/drawing/2014/main" xmlns="" val="1818530893"/>
                   </a:ext>
                 </a:extLst>
               </a:tr>
@@ -3160,7 +3313,7 @@
                 </a:tc>
                 <a:extLst>
                   <a:ext uri="{0D108BD9-81ED-4DB2-BD59-A6C34878D82A}">
-                    <a16:rowId xmlns="" xmlns:a16="http://schemas.microsoft.com/office/drawing/2014/main" val="2929229961"/>
+                    <a16:rowId xmlns:a16="http://schemas.microsoft.com/office/drawing/2014/main" xmlns="" val="2929229961"/>
                   </a:ext>
                 </a:extLst>
               </a:tr>
@@ -3223,7 +3376,7 @@
                 </a:tc>
                 <a:extLst>
                   <a:ext uri="{0D108BD9-81ED-4DB2-BD59-A6C34878D82A}">
-                    <a16:rowId xmlns="" xmlns:a16="http://schemas.microsoft.com/office/drawing/2014/main" val="777625248"/>
+                    <a16:rowId xmlns:a16="http://schemas.microsoft.com/office/drawing/2014/main" xmlns="" val="777625248"/>
                   </a:ext>
                 </a:extLst>
               </a:tr>
@@ -3286,7 +3439,7 @@
                 </a:tc>
                 <a:extLst>
                   <a:ext uri="{0D108BD9-81ED-4DB2-BD59-A6C34878D82A}">
-                    <a16:rowId xmlns="" xmlns:a16="http://schemas.microsoft.com/office/drawing/2014/main" val="798207462"/>
+                    <a16:rowId xmlns:a16="http://schemas.microsoft.com/office/drawing/2014/main" xmlns="" val="798207462"/>
                   </a:ext>
                 </a:extLst>
               </a:tr>
@@ -3349,7 +3502,7 @@
                 </a:tc>
                 <a:extLst>
                   <a:ext uri="{0D108BD9-81ED-4DB2-BD59-A6C34878D82A}">
-                    <a16:rowId xmlns="" xmlns:a16="http://schemas.microsoft.com/office/drawing/2014/main" val="2178070522"/>
+                    <a16:rowId xmlns:a16="http://schemas.microsoft.com/office/drawing/2014/main" xmlns="" val="2178070522"/>
                   </a:ext>
                 </a:extLst>
               </a:tr>
@@ -3412,7 +3565,7 @@
                 </a:tc>
                 <a:extLst>
                   <a:ext uri="{0D108BD9-81ED-4DB2-BD59-A6C34878D82A}">
-                    <a16:rowId xmlns="" xmlns:a16="http://schemas.microsoft.com/office/drawing/2014/main" val="1136949270"/>
+                    <a16:rowId xmlns:a16="http://schemas.microsoft.com/office/drawing/2014/main" xmlns="" val="1136949270"/>
                   </a:ext>
                 </a:extLst>
               </a:tr>
@@ -3424,107 +3577,6 @@
     <p:extLst>
       <p:ext uri="{BB962C8B-B14F-4D97-AF65-F5344CB8AC3E}">
         <p14:creationId xmlns:p14="http://schemas.microsoft.com/office/powerpoint/2010/main" val="3560036613"/>
-      </p:ext>
-    </p:extLst>
-  </p:cSld>
-  <p:clrMapOvr>
-    <a:masterClrMapping/>
-  </p:clrMapOvr>
-  <p:timing>
-    <p:tnLst>
-      <p:par>
-        <p:cTn id="1" dur="indefinite" restart="never" nodeType="tmRoot"/>
-      </p:par>
-    </p:tnLst>
-  </p:timing>
-</p:sld>
-</file>
-
-<file path=ppt/slides/slide7.xml><?xml version="1.0" encoding="utf-8"?>
-<p:sld xmlns:a="http://schemas.openxmlformats.org/drawingml/2006/main" xmlns:r="http://schemas.openxmlformats.org/officeDocument/2006/relationships" xmlns:p="http://schemas.openxmlformats.org/presentationml/2006/main">
-  <p:cSld>
-    <p:spTree>
-      <p:nvGrpSpPr>
-        <p:cNvPr id="1" name=""/>
-        <p:cNvGrpSpPr/>
-        <p:nvPr/>
-      </p:nvGrpSpPr>
-      <p:grpSpPr>
-        <a:xfrm>
-          <a:off x="0" y="0"/>
-          <a:ext cx="0" cy="0"/>
-          <a:chOff x="0" y="0"/>
-          <a:chExt cx="0" cy="0"/>
-        </a:xfrm>
-      </p:grpSpPr>
-      <p:sp>
-        <p:nvSpPr>
-          <p:cNvPr id="2" name="Title 1"/>
-          <p:cNvSpPr>
-            <a:spLocks noGrp="1"/>
-          </p:cNvSpPr>
-          <p:nvPr>
-            <p:ph type="title"/>
-          </p:nvPr>
-        </p:nvSpPr>
-        <p:spPr/>
-        <p:txBody>
-          <a:bodyPr/>
-          <a:lstStyle/>
-          <a:p>
-            <a:r>
-              <a:rPr lang="en-US" dirty="0" smtClean="0"/>
-              <a:t>While the most comprehensive model appeared to have the best predictive ability, plots show under-fitting</a:t>
-            </a:r>
-            <a:endParaRPr lang="en-US" dirty="0"/>
-          </a:p>
-        </p:txBody>
-      </p:sp>
-      <p:pic>
-        <p:nvPicPr>
-          <p:cNvPr id="2050" name="Picture 2" descr="C:\Users\RPM592\AppData\Local\Microsoft\Windows\Temporary Internet Files\Content.Outlook\ZM0208I6\Results.png"/>
-          <p:cNvPicPr>
-            <a:picLocks noChangeAspect="1" noChangeArrowheads="1"/>
-          </p:cNvPicPr>
-          <p:nvPr/>
-        </p:nvPicPr>
-        <p:blipFill>
-          <a:blip r:embed="rId2">
-            <a:extLst>
-              <a:ext uri="{28A0092B-C50C-407E-A947-70E740481C1C}">
-                <a14:useLocalDpi xmlns:a14="http://schemas.microsoft.com/office/drawing/2010/main" val="0"/>
-              </a:ext>
-            </a:extLst>
-          </a:blip>
-          <a:srcRect/>
-          <a:stretch>
-            <a:fillRect/>
-          </a:stretch>
-        </p:blipFill>
-        <p:spPr bwMode="auto">
-          <a:xfrm>
-            <a:off x="1295400" y="990599"/>
-            <a:ext cx="5486400" cy="5517223"/>
-          </a:xfrm>
-          <a:prstGeom prst="rect">
-            <a:avLst/>
-          </a:prstGeom>
-          <a:noFill/>
-          <a:extLst>
-            <a:ext uri="{909E8E84-426E-40DD-AFC4-6F175D3DCCD1}">
-              <a14:hiddenFill xmlns:a14="http://schemas.microsoft.com/office/drawing/2010/main">
-                <a:solidFill>
-                  <a:srgbClr val="FFFFFF"/>
-                </a:solidFill>
-              </a14:hiddenFill>
-            </a:ext>
-          </a:extLst>
-        </p:spPr>
-      </p:pic>
-    </p:spTree>
-    <p:extLst>
-      <p:ext uri="{BB962C8B-B14F-4D97-AF65-F5344CB8AC3E}">
-        <p14:creationId xmlns:p14="http://schemas.microsoft.com/office/powerpoint/2010/main" val="690450501"/>
       </p:ext>
     </p:extLst>
   </p:cSld>
